--- a/html/files/servicestack-architecture-tree.pptx
+++ b/html/files/servicestack-architecture-tree.pptx
@@ -3097,13 +3097,54 @@
       </p:grpSpPr>
       <p:sp>
         <p:nvSpPr>
+          <p:cNvPr id="27" name="Down Arrow 26"/>
+          <p:cNvSpPr/>
+          <p:nvPr/>
+        </p:nvSpPr>
+        <p:spPr>
+          <a:xfrm>
+            <a:off x="3239218" y="457200"/>
+            <a:ext cx="2475782" cy="1851840"/>
+          </a:xfrm>
+          <a:prstGeom prst="downArrow">
+            <a:avLst>
+              <a:gd name="adj1" fmla="val 50000"/>
+              <a:gd name="adj2" fmla="val 50997"/>
+            </a:avLst>
+          </a:prstGeom>
+        </p:spPr>
+        <p:style>
+          <a:lnRef idx="1">
+            <a:schemeClr val="dk1"/>
+          </a:lnRef>
+          <a:fillRef idx="2">
+            <a:schemeClr val="dk1"/>
+          </a:fillRef>
+          <a:effectRef idx="1">
+            <a:schemeClr val="dk1"/>
+          </a:effectRef>
+          <a:fontRef idx="minor">
+            <a:schemeClr val="dk1"/>
+          </a:fontRef>
+        </p:style>
+        <p:txBody>
+          <a:bodyPr rtlCol="0" anchor="ctr"/>
+          <a:lstStyle/>
+          <a:p>
+            <a:pPr algn="ctr"/>
+            <a:endParaRPr lang="en-US"/>
+          </a:p>
+        </p:txBody>
+      </p:sp>
+      <p:sp>
+        <p:nvSpPr>
           <p:cNvPr id="5" name="Rectangle 4"/>
           <p:cNvSpPr/>
           <p:nvPr/>
         </p:nvSpPr>
         <p:spPr>
           <a:xfrm>
-            <a:off x="5269143" y="3242928"/>
+            <a:off x="5269143" y="3185191"/>
             <a:ext cx="1817457" cy="457200"/>
           </a:xfrm>
           <a:prstGeom prst="rect">
@@ -3147,7 +3188,7 @@
         </p:nvSpPr>
         <p:spPr>
           <a:xfrm>
-            <a:off x="2044992" y="3242928"/>
+            <a:off x="2044992" y="3185191"/>
             <a:ext cx="1667544" cy="457200"/>
           </a:xfrm>
           <a:prstGeom prst="rect">
@@ -3191,8 +3232,8 @@
         </p:nvSpPr>
         <p:spPr>
           <a:xfrm>
-            <a:off x="3620386" y="1715388"/>
-            <a:ext cx="1713614" cy="381000"/>
+            <a:off x="3810000" y="1797643"/>
+            <a:ext cx="1314900" cy="304800"/>
           </a:xfrm>
           <a:prstGeom prst="rect">
             <a:avLst/>
@@ -3220,10 +3261,14 @@
           <a:p>
             <a:pPr algn="ctr"/>
             <a:r>
-              <a:rPr lang="en-US" dirty="0" smtClean="0"/>
-              <a:t>Request DTO</a:t>
-            </a:r>
-            <a:endParaRPr lang="en-US" dirty="0"/>
+              <a:rPr lang="en-US" sz="1400" dirty="0" smtClean="0"/>
+              <a:t>Request </a:t>
+            </a:r>
+            <a:r>
+              <a:rPr lang="en-US" sz="1400" dirty="0" smtClean="0"/>
+              <a:t>DTO</a:t>
+            </a:r>
+            <a:endParaRPr lang="en-US" sz="1400" dirty="0"/>
           </a:p>
         </p:txBody>
       </p:sp>
@@ -3235,7 +3280,7 @@
         </p:nvSpPr>
         <p:spPr>
           <a:xfrm>
-            <a:off x="3620386" y="1371600"/>
+            <a:off x="3620386" y="1446024"/>
             <a:ext cx="1713614" cy="304800"/>
           </a:xfrm>
           <a:prstGeom prst="rect">
@@ -3279,7 +3324,7 @@
         </p:nvSpPr>
         <p:spPr>
           <a:xfrm>
-            <a:off x="3620386" y="2133600"/>
+            <a:off x="3620386" y="2144971"/>
             <a:ext cx="1713614" cy="304800"/>
           </a:xfrm>
           <a:prstGeom prst="rect">
@@ -3323,7 +3368,7 @@
         </p:nvSpPr>
         <p:spPr>
           <a:xfrm>
-            <a:off x="3632791" y="4762351"/>
+            <a:off x="3632791" y="4632991"/>
             <a:ext cx="1713614" cy="304800"/>
           </a:xfrm>
           <a:prstGeom prst="rect">
@@ -3367,8 +3412,8 @@
         </p:nvSpPr>
         <p:spPr>
           <a:xfrm>
-            <a:off x="3631018" y="4342363"/>
-            <a:ext cx="1713614" cy="381000"/>
+            <a:off x="3820632" y="4284626"/>
+            <a:ext cx="1314900" cy="304800"/>
           </a:xfrm>
           <a:prstGeom prst="rect">
             <a:avLst/>
@@ -3396,10 +3441,10 @@
           <a:p>
             <a:pPr algn="ctr"/>
             <a:r>
-              <a:rPr lang="en-US" dirty="0" smtClean="0"/>
+              <a:rPr lang="en-US" sz="1400" dirty="0" smtClean="0"/>
               <a:t>Response DTO</a:t>
             </a:r>
-            <a:endParaRPr lang="en-US" dirty="0"/>
+            <a:endParaRPr lang="en-US" sz="1400" dirty="0"/>
           </a:p>
         </p:txBody>
       </p:sp>
@@ -3411,7 +3456,7 @@
         </p:nvSpPr>
         <p:spPr>
           <a:xfrm>
-            <a:off x="3632791" y="5104363"/>
+            <a:off x="3632791" y="4975003"/>
             <a:ext cx="1713614" cy="304800"/>
           </a:xfrm>
           <a:prstGeom prst="rect">
@@ -3455,7 +3500,7 @@
         </p:nvSpPr>
         <p:spPr>
           <a:xfrm>
-            <a:off x="3631019" y="5448151"/>
+            <a:off x="3631019" y="5318791"/>
             <a:ext cx="1713614" cy="304800"/>
           </a:xfrm>
           <a:prstGeom prst="rect">
@@ -3499,8 +3544,8 @@
         </p:nvSpPr>
         <p:spPr>
           <a:xfrm>
-            <a:off x="3620386" y="2477388"/>
-            <a:ext cx="1713614" cy="381000"/>
+            <a:off x="3810000" y="2488759"/>
+            <a:ext cx="1314900" cy="304800"/>
           </a:xfrm>
           <a:prstGeom prst="rect">
             <a:avLst/>
@@ -3528,10 +3573,10 @@
           <a:p>
             <a:pPr algn="ctr"/>
             <a:r>
-              <a:rPr lang="en-US" dirty="0" smtClean="0"/>
+              <a:rPr lang="en-US" sz="1400" dirty="0" smtClean="0"/>
               <a:t>Request DTO</a:t>
             </a:r>
-            <a:endParaRPr lang="en-US" dirty="0"/>
+            <a:endParaRPr lang="en-US" sz="1400" dirty="0"/>
           </a:p>
         </p:txBody>
       </p:sp>
@@ -3543,7 +3588,7 @@
         </p:nvSpPr>
         <p:spPr>
           <a:xfrm>
-            <a:off x="2133600" y="1695894"/>
+            <a:off x="2064492" y="1707265"/>
             <a:ext cx="1371600" cy="724788"/>
           </a:xfrm>
           <a:prstGeom prst="rect">
@@ -3585,7 +3630,7 @@
         </p:nvSpPr>
         <p:spPr>
           <a:xfrm>
-            <a:off x="3150780" y="1008324"/>
+            <a:off x="3168504" y="969336"/>
             <a:ext cx="838200" cy="304800"/>
           </a:xfrm>
           <a:prstGeom prst="roundRect">
@@ -3627,7 +3672,7 @@
         </p:nvSpPr>
         <p:spPr>
           <a:xfrm>
-            <a:off x="2268276" y="1008324"/>
+            <a:off x="2286000" y="969336"/>
             <a:ext cx="838200" cy="304800"/>
           </a:xfrm>
           <a:prstGeom prst="roundRect">
@@ -3669,7 +3714,7 @@
         </p:nvSpPr>
         <p:spPr>
           <a:xfrm>
-            <a:off x="4033284" y="1008324"/>
+            <a:off x="4051008" y="969336"/>
             <a:ext cx="838200" cy="304800"/>
           </a:xfrm>
           <a:prstGeom prst="roundRect">
@@ -3711,7 +3756,7 @@
         </p:nvSpPr>
         <p:spPr>
           <a:xfrm>
-            <a:off x="5796516" y="1008324"/>
+            <a:off x="5814240" y="969336"/>
             <a:ext cx="1066800" cy="304800"/>
           </a:xfrm>
           <a:prstGeom prst="roundRect">
@@ -3753,7 +3798,7 @@
         </p:nvSpPr>
         <p:spPr>
           <a:xfrm>
-            <a:off x="4915788" y="1008324"/>
+            <a:off x="4933512" y="969336"/>
             <a:ext cx="838200" cy="304800"/>
           </a:xfrm>
           <a:prstGeom prst="roundRect">
@@ -3795,7 +3840,7 @@
         </p:nvSpPr>
         <p:spPr>
           <a:xfrm>
-            <a:off x="3717851" y="648588"/>
+            <a:off x="3778103" y="609600"/>
             <a:ext cx="1371600" cy="304800"/>
           </a:xfrm>
           <a:prstGeom prst="roundRect">
@@ -3837,7 +3882,7 @@
         </p:nvSpPr>
         <p:spPr>
           <a:xfrm>
-            <a:off x="2574851" y="648588"/>
+            <a:off x="2645735" y="609600"/>
             <a:ext cx="1066800" cy="304800"/>
           </a:xfrm>
           <a:prstGeom prst="roundRect">
@@ -3879,7 +3924,7 @@
         </p:nvSpPr>
         <p:spPr>
           <a:xfrm>
-            <a:off x="5181600" y="648588"/>
+            <a:off x="5213496" y="609600"/>
             <a:ext cx="1143000" cy="304800"/>
           </a:xfrm>
           <a:prstGeom prst="roundRect">
@@ -3921,7 +3966,7 @@
         </p:nvSpPr>
         <p:spPr>
           <a:xfrm>
-            <a:off x="2133600" y="2438400"/>
+            <a:off x="2064492" y="2449771"/>
             <a:ext cx="1371600" cy="343788"/>
           </a:xfrm>
           <a:prstGeom prst="rect">
@@ -3963,7 +4008,7 @@
         </p:nvSpPr>
         <p:spPr>
           <a:xfrm>
-            <a:off x="5981700" y="2743200"/>
+            <a:off x="5981700" y="2685463"/>
             <a:ext cx="1104900" cy="228600"/>
           </a:xfrm>
           <a:prstGeom prst="rect">
@@ -4005,7 +4050,7 @@
         </p:nvSpPr>
         <p:spPr>
           <a:xfrm>
-            <a:off x="5981700" y="2977116"/>
+            <a:off x="5981700" y="2919379"/>
             <a:ext cx="1104900" cy="228600"/>
           </a:xfrm>
           <a:prstGeom prst="rect">
@@ -4047,7 +4092,7 @@
         </p:nvSpPr>
         <p:spPr>
           <a:xfrm>
-            <a:off x="3620386" y="2895600"/>
+            <a:off x="3620386" y="2837863"/>
             <a:ext cx="1713614" cy="1408812"/>
           </a:xfrm>
           <a:prstGeom prst="rect">
@@ -4114,7 +4159,7 @@
         </p:nvSpPr>
         <p:spPr>
           <a:xfrm>
-            <a:off x="2882315" y="5827676"/>
+            <a:off x="2882315" y="5698316"/>
             <a:ext cx="800100" cy="304800"/>
           </a:xfrm>
           <a:prstGeom prst="roundRect">
@@ -4156,7 +4201,7 @@
         </p:nvSpPr>
         <p:spPr>
           <a:xfrm>
-            <a:off x="2058302" y="5827676"/>
+            <a:off x="2058302" y="5698316"/>
             <a:ext cx="781486" cy="304800"/>
           </a:xfrm>
           <a:prstGeom prst="roundRect">
@@ -4198,7 +4243,7 @@
         </p:nvSpPr>
         <p:spPr>
           <a:xfrm>
-            <a:off x="3731147" y="5827676"/>
+            <a:off x="3731147" y="5698316"/>
             <a:ext cx="681373" cy="304800"/>
           </a:xfrm>
           <a:prstGeom prst="roundRect">
@@ -4240,7 +4285,7 @@
         </p:nvSpPr>
         <p:spPr>
           <a:xfrm>
-            <a:off x="5984364" y="5827676"/>
+            <a:off x="5984364" y="5698316"/>
             <a:ext cx="1066800" cy="304800"/>
           </a:xfrm>
           <a:prstGeom prst="roundRect">
@@ -4282,7 +4327,7 @@
         </p:nvSpPr>
         <p:spPr>
           <a:xfrm>
-            <a:off x="5124900" y="5827676"/>
+            <a:off x="5124900" y="5698316"/>
             <a:ext cx="816936" cy="304800"/>
           </a:xfrm>
           <a:prstGeom prst="roundRect">
@@ -4324,7 +4369,7 @@
         </p:nvSpPr>
         <p:spPr>
           <a:xfrm>
-            <a:off x="4462135" y="5827676"/>
+            <a:off x="4462135" y="5698316"/>
             <a:ext cx="608713" cy="304800"/>
           </a:xfrm>
           <a:prstGeom prst="roundRect">
@@ -4366,7 +4411,7 @@
         </p:nvSpPr>
         <p:spPr>
           <a:xfrm>
-            <a:off x="2057400" y="6182832"/>
+            <a:off x="2057400" y="6053472"/>
             <a:ext cx="838200" cy="304800"/>
           </a:xfrm>
           <a:prstGeom prst="roundRect">
@@ -4408,7 +4453,7 @@
         </p:nvSpPr>
         <p:spPr>
           <a:xfrm>
-            <a:off x="2945220" y="6182832"/>
+            <a:off x="2945220" y="6053472"/>
             <a:ext cx="664534" cy="304800"/>
           </a:xfrm>
           <a:prstGeom prst="roundRect">
@@ -4450,7 +4495,7 @@
         </p:nvSpPr>
         <p:spPr>
           <a:xfrm>
-            <a:off x="3656716" y="6182832"/>
+            <a:off x="3656716" y="6053472"/>
             <a:ext cx="838200" cy="304800"/>
           </a:xfrm>
           <a:prstGeom prst="roundRect">
@@ -4492,7 +4537,7 @@
         </p:nvSpPr>
         <p:spPr>
           <a:xfrm>
-            <a:off x="4552508" y="6182832"/>
+            <a:off x="4552508" y="6053472"/>
             <a:ext cx="911744" cy="304800"/>
           </a:xfrm>
           <a:prstGeom prst="roundRect">
@@ -4534,7 +4579,7 @@
         </p:nvSpPr>
         <p:spPr>
           <a:xfrm>
-            <a:off x="5514756" y="6182832"/>
+            <a:off x="5514756" y="6053472"/>
             <a:ext cx="1539062" cy="304800"/>
           </a:xfrm>
           <a:prstGeom prst="roundRect">
@@ -4576,7 +4621,7 @@
         </p:nvSpPr>
         <p:spPr>
           <a:xfrm>
-            <a:off x="5776141" y="4038600"/>
+            <a:off x="5816480" y="4283890"/>
             <a:ext cx="926536" cy="369332"/>
           </a:xfrm>
           <a:prstGeom prst="rect">
@@ -4606,8 +4651,8 @@
         </p:nvSpPr>
         <p:spPr>
           <a:xfrm>
-            <a:off x="5469878" y="5147928"/>
-            <a:ext cx="1584829" cy="304800"/>
+            <a:off x="5612687" y="5187658"/>
+            <a:ext cx="1397713" cy="241005"/>
           </a:xfrm>
           <a:prstGeom prst="rect">
             <a:avLst/>
@@ -4635,10 +4680,10 @@
           <a:p>
             <a:pPr algn="ctr"/>
             <a:r>
-              <a:rPr lang="en-US" sz="1600" dirty="0" smtClean="0"/>
+              <a:rPr lang="en-US" sz="1400" dirty="0" smtClean="0"/>
               <a:t>HTTP &amp; MQ</a:t>
             </a:r>
-            <a:endParaRPr lang="en-US" sz="1600" dirty="0"/>
+            <a:endParaRPr lang="en-US" sz="1400" dirty="0"/>
           </a:p>
         </p:txBody>
       </p:sp>
@@ -4650,8 +4695,8 @@
         </p:nvSpPr>
         <p:spPr>
           <a:xfrm>
-            <a:off x="5466335" y="4788192"/>
-            <a:ext cx="1584829" cy="316171"/>
+            <a:off x="5609144" y="4904730"/>
+            <a:ext cx="1397713" cy="249996"/>
           </a:xfrm>
           <a:prstGeom prst="rect">
             <a:avLst/>
@@ -4679,10 +4724,10 @@
           <a:p>
             <a:pPr algn="ctr"/>
             <a:r>
-              <a:rPr lang="en-US" sz="1600" dirty="0" smtClean="0"/>
+              <a:rPr lang="en-US" sz="1400" dirty="0" smtClean="0"/>
               <a:t>HTTP Only</a:t>
             </a:r>
-            <a:endParaRPr lang="en-US" sz="1600" dirty="0"/>
+            <a:endParaRPr lang="en-US" sz="1400" dirty="0"/>
           </a:p>
         </p:txBody>
       </p:sp>
@@ -4694,8 +4739,8 @@
         </p:nvSpPr>
         <p:spPr>
           <a:xfrm>
-            <a:off x="5460130" y="4430968"/>
-            <a:ext cx="1591034" cy="304800"/>
+            <a:off x="5602939" y="4621325"/>
+            <a:ext cx="1403186" cy="241005"/>
           </a:xfrm>
           <a:prstGeom prst="roundRect">
             <a:avLst/>
@@ -4721,10 +4766,10 @@
           <a:p>
             <a:pPr algn="ctr"/>
             <a:r>
-              <a:rPr lang="en-US" sz="1600" dirty="0" smtClean="0"/>
+              <a:rPr lang="en-US" sz="1400" dirty="0" smtClean="0"/>
               <a:t>Built-in Format</a:t>
             </a:r>
-            <a:endParaRPr lang="en-US" sz="1600" dirty="0"/>
+            <a:endParaRPr lang="en-US" sz="1400" dirty="0"/>
           </a:p>
         </p:txBody>
       </p:sp>

--- a/html/files/servicestack-architecture-tree.pptx
+++ b/html/files/servicestack-architecture-tree.pptx
@@ -3262,11 +3262,7 @@
             <a:pPr algn="ctr"/>
             <a:r>
               <a:rPr lang="en-US" sz="1400" dirty="0" smtClean="0"/>
-              <a:t>Request </a:t>
-            </a:r>
-            <a:r>
-              <a:rPr lang="en-US" sz="1400" dirty="0" smtClean="0"/>
-              <a:t>DTO</a:t>
+              <a:t>Request DTO</a:t>
             </a:r>
             <a:endParaRPr lang="en-US" sz="1400" dirty="0"/>
           </a:p>
@@ -4768,6 +4764,36 @@
             <a:r>
               <a:rPr lang="en-US" sz="1400" dirty="0" smtClean="0"/>
               <a:t>Built-in Format</a:t>
+            </a:r>
+            <a:endParaRPr lang="en-US" sz="1400" dirty="0"/>
+          </a:p>
+        </p:txBody>
+      </p:sp>
+      <p:sp>
+        <p:nvSpPr>
+          <p:cNvPr id="2" name="TextBox 1"/>
+          <p:cNvSpPr txBox="1"/>
+          <p:nvPr/>
+        </p:nvSpPr>
+        <p:spPr>
+          <a:xfrm>
+            <a:off x="3810000" y="2795159"/>
+            <a:ext cx="1283172" cy="307777"/>
+          </a:xfrm>
+          <a:prstGeom prst="rect">
+            <a:avLst/>
+          </a:prstGeom>
+          <a:noFill/>
+        </p:spPr>
+        <p:txBody>
+          <a:bodyPr wrap="none" rtlCol="0">
+            <a:spAutoFit/>
+          </a:bodyPr>
+          <a:lstStyle/>
+          <a:p>
+            <a:r>
+              <a:rPr lang="en-US" sz="1400" dirty="0" smtClean="0"/>
+              <a:t>your code here</a:t>
             </a:r>
             <a:endParaRPr lang="en-US" sz="1400" dirty="0"/>
           </a:p>

--- a/html/files/servicestack-architecture-tree.pptx
+++ b/html/files/servicestack-architecture-tree.pptx
@@ -6,6 +6,8 @@
   </p:sldMasterIdLst>
   <p:sldIdLst>
     <p:sldId id="256" r:id="rId2"/>
+    <p:sldId id="257" r:id="rId3"/>
+    <p:sldId id="258" r:id="rId4"/>
   </p:sldIdLst>
   <p:sldSz cx="9144000" cy="6858000" type="screen4x3"/>
   <p:notesSz cx="6858000" cy="9144000"/>
@@ -288,7 +290,7 @@
           <a:p>
             <a:fld id="{641AFE02-5AE0-4F40-9A02-099F01D28CA8}" type="datetimeFigureOut">
               <a:rPr lang="en-US" smtClean="0"/>
-              <a:t>6/30/2012</a:t>
+              <a:t>7/11/2012</a:t>
             </a:fld>
             <a:endParaRPr lang="en-US"/>
           </a:p>
@@ -458,7 +460,7 @@
           <a:p>
             <a:fld id="{641AFE02-5AE0-4F40-9A02-099F01D28CA8}" type="datetimeFigureOut">
               <a:rPr lang="en-US" smtClean="0"/>
-              <a:t>6/30/2012</a:t>
+              <a:t>7/11/2012</a:t>
             </a:fld>
             <a:endParaRPr lang="en-US"/>
           </a:p>
@@ -638,7 +640,7 @@
           <a:p>
             <a:fld id="{641AFE02-5AE0-4F40-9A02-099F01D28CA8}" type="datetimeFigureOut">
               <a:rPr lang="en-US" smtClean="0"/>
-              <a:t>6/30/2012</a:t>
+              <a:t>7/11/2012</a:t>
             </a:fld>
             <a:endParaRPr lang="en-US"/>
           </a:p>
@@ -808,7 +810,7 @@
           <a:p>
             <a:fld id="{641AFE02-5AE0-4F40-9A02-099F01D28CA8}" type="datetimeFigureOut">
               <a:rPr lang="en-US" smtClean="0"/>
-              <a:t>6/30/2012</a:t>
+              <a:t>7/11/2012</a:t>
             </a:fld>
             <a:endParaRPr lang="en-US"/>
           </a:p>
@@ -1054,7 +1056,7 @@
           <a:p>
             <a:fld id="{641AFE02-5AE0-4F40-9A02-099F01D28CA8}" type="datetimeFigureOut">
               <a:rPr lang="en-US" smtClean="0"/>
-              <a:t>6/30/2012</a:t>
+              <a:t>7/11/2012</a:t>
             </a:fld>
             <a:endParaRPr lang="en-US"/>
           </a:p>
@@ -1342,7 +1344,7 @@
           <a:p>
             <a:fld id="{641AFE02-5AE0-4F40-9A02-099F01D28CA8}" type="datetimeFigureOut">
               <a:rPr lang="en-US" smtClean="0"/>
-              <a:t>6/30/2012</a:t>
+              <a:t>7/11/2012</a:t>
             </a:fld>
             <a:endParaRPr lang="en-US"/>
           </a:p>
@@ -1764,7 +1766,7 @@
           <a:p>
             <a:fld id="{641AFE02-5AE0-4F40-9A02-099F01D28CA8}" type="datetimeFigureOut">
               <a:rPr lang="en-US" smtClean="0"/>
-              <a:t>6/30/2012</a:t>
+              <a:t>7/11/2012</a:t>
             </a:fld>
             <a:endParaRPr lang="en-US"/>
           </a:p>
@@ -1882,7 +1884,7 @@
           <a:p>
             <a:fld id="{641AFE02-5AE0-4F40-9A02-099F01D28CA8}" type="datetimeFigureOut">
               <a:rPr lang="en-US" smtClean="0"/>
-              <a:t>6/30/2012</a:t>
+              <a:t>7/11/2012</a:t>
             </a:fld>
             <a:endParaRPr lang="en-US"/>
           </a:p>
@@ -1977,7 +1979,7 @@
           <a:p>
             <a:fld id="{641AFE02-5AE0-4F40-9A02-099F01D28CA8}" type="datetimeFigureOut">
               <a:rPr lang="en-US" smtClean="0"/>
-              <a:t>6/30/2012</a:t>
+              <a:t>7/11/2012</a:t>
             </a:fld>
             <a:endParaRPr lang="en-US"/>
           </a:p>
@@ -2254,7 +2256,7 @@
           <a:p>
             <a:fld id="{641AFE02-5AE0-4F40-9A02-099F01D28CA8}" type="datetimeFigureOut">
               <a:rPr lang="en-US" smtClean="0"/>
-              <a:t>6/30/2012</a:t>
+              <a:t>7/11/2012</a:t>
             </a:fld>
             <a:endParaRPr lang="en-US"/>
           </a:p>
@@ -2507,7 +2509,7 @@
           <a:p>
             <a:fld id="{641AFE02-5AE0-4F40-9A02-099F01D28CA8}" type="datetimeFigureOut">
               <a:rPr lang="en-US" smtClean="0"/>
-              <a:t>6/30/2012</a:t>
+              <a:t>7/11/2012</a:t>
             </a:fld>
             <a:endParaRPr lang="en-US"/>
           </a:p>
@@ -2720,7 +2722,7 @@
           <a:p>
             <a:fld id="{641AFE02-5AE0-4F40-9A02-099F01D28CA8}" type="datetimeFigureOut">
               <a:rPr lang="en-US" smtClean="0"/>
-              <a:t>6/30/2012</a:t>
+              <a:t>7/11/2012</a:t>
             </a:fld>
             <a:endParaRPr lang="en-US"/>
           </a:p>
@@ -3306,7 +3308,11 @@
             <a:pPr algn="ctr"/>
             <a:r>
               <a:rPr lang="en-US" dirty="0" smtClean="0"/>
-              <a:t>Custom Binder</a:t>
+              <a:t>Request </a:t>
+            </a:r>
+            <a:r>
+              <a:rPr lang="en-US" dirty="0" smtClean="0"/>
+              <a:t>Binder</a:t>
             </a:r>
             <a:endParaRPr lang="en-US" dirty="0"/>
           </a:p>
@@ -4803,6 +4809,1726 @@
     <p:extLst>
       <p:ext uri="{BB962C8B-B14F-4D97-AF65-F5344CB8AC3E}">
         <p14:creationId xmlns:p14="http://schemas.microsoft.com/office/powerpoint/2010/main" val="3724613970"/>
+      </p:ext>
+    </p:extLst>
+  </p:cSld>
+  <p:clrMapOvr>
+    <a:masterClrMapping/>
+  </p:clrMapOvr>
+</p:sld>
+</file>
+
+<file path=ppt/slides/slide2.xml><?xml version="1.0" encoding="utf-8"?>
+<p:sld xmlns:a="http://schemas.openxmlformats.org/drawingml/2006/main" xmlns:r="http://schemas.openxmlformats.org/officeDocument/2006/relationships" xmlns:p="http://schemas.openxmlformats.org/presentationml/2006/main">
+  <p:cSld>
+    <p:spTree>
+      <p:nvGrpSpPr>
+        <p:cNvPr id="1" name=""/>
+        <p:cNvGrpSpPr/>
+        <p:nvPr/>
+      </p:nvGrpSpPr>
+      <p:grpSpPr>
+        <a:xfrm>
+          <a:off x="0" y="0"/>
+          <a:ext cx="0" cy="0"/>
+          <a:chOff x="0" y="0"/>
+          <a:chExt cx="0" cy="0"/>
+        </a:xfrm>
+      </p:grpSpPr>
+      <p:sp>
+        <p:nvSpPr>
+          <p:cNvPr id="8" name="Rectangle 7"/>
+          <p:cNvSpPr/>
+          <p:nvPr/>
+        </p:nvSpPr>
+        <p:spPr>
+          <a:xfrm>
+            <a:off x="2584545" y="2402071"/>
+            <a:ext cx="1676400" cy="381000"/>
+          </a:xfrm>
+          <a:prstGeom prst="rect">
+            <a:avLst/>
+          </a:prstGeom>
+        </p:spPr>
+        <p:style>
+          <a:lnRef idx="1">
+            <a:schemeClr val="accent6"/>
+          </a:lnRef>
+          <a:fillRef idx="2">
+            <a:schemeClr val="accent6"/>
+          </a:fillRef>
+          <a:effectRef idx="1">
+            <a:schemeClr val="accent6"/>
+          </a:effectRef>
+          <a:fontRef idx="minor">
+            <a:schemeClr val="dk1"/>
+          </a:fontRef>
+        </p:style>
+        <p:txBody>
+          <a:bodyPr rtlCol="0" anchor="ctr"/>
+          <a:lstStyle/>
+          <a:p>
+            <a:pPr algn="ctr"/>
+            <a:r>
+              <a:rPr lang="en-US" dirty="0" smtClean="0"/>
+              <a:t>IServiceClient</a:t>
+            </a:r>
+            <a:endParaRPr lang="en-US" dirty="0"/>
+          </a:p>
+        </p:txBody>
+      </p:sp>
+      <p:sp>
+        <p:nvSpPr>
+          <p:cNvPr id="9" name="Rectangle 8"/>
+          <p:cNvSpPr/>
+          <p:nvPr/>
+        </p:nvSpPr>
+        <p:spPr>
+          <a:xfrm>
+            <a:off x="5823927" y="3333157"/>
+            <a:ext cx="1314900" cy="304800"/>
+          </a:xfrm>
+          <a:prstGeom prst="rect">
+            <a:avLst/>
+          </a:prstGeom>
+        </p:spPr>
+        <p:style>
+          <a:lnRef idx="2">
+            <a:schemeClr val="accent3">
+              <a:shade val="50000"/>
+            </a:schemeClr>
+          </a:lnRef>
+          <a:fillRef idx="1">
+            <a:schemeClr val="accent3"/>
+          </a:fillRef>
+          <a:effectRef idx="0">
+            <a:schemeClr val="accent3"/>
+          </a:effectRef>
+          <a:fontRef idx="minor">
+            <a:schemeClr val="lt1"/>
+          </a:fontRef>
+        </p:style>
+        <p:txBody>
+          <a:bodyPr rtlCol="0" anchor="ctr"/>
+          <a:lstStyle/>
+          <a:p>
+            <a:pPr algn="ctr"/>
+            <a:r>
+              <a:rPr lang="en-US" sz="1400" dirty="0" smtClean="0"/>
+              <a:t>Response DTO</a:t>
+            </a:r>
+            <a:endParaRPr lang="en-US" sz="1400" dirty="0"/>
+          </a:p>
+        </p:txBody>
+      </p:sp>
+      <p:sp>
+        <p:nvSpPr>
+          <p:cNvPr id="10" name="Rectangle 9"/>
+          <p:cNvSpPr/>
+          <p:nvPr/>
+        </p:nvSpPr>
+        <p:spPr>
+          <a:xfrm>
+            <a:off x="5813295" y="1537290"/>
+            <a:ext cx="1314900" cy="304800"/>
+          </a:xfrm>
+          <a:prstGeom prst="rect">
+            <a:avLst/>
+          </a:prstGeom>
+        </p:spPr>
+        <p:style>
+          <a:lnRef idx="2">
+            <a:schemeClr val="accent3">
+              <a:shade val="50000"/>
+            </a:schemeClr>
+          </a:lnRef>
+          <a:fillRef idx="1">
+            <a:schemeClr val="accent3"/>
+          </a:fillRef>
+          <a:effectRef idx="0">
+            <a:schemeClr val="accent3"/>
+          </a:effectRef>
+          <a:fontRef idx="minor">
+            <a:schemeClr val="lt1"/>
+          </a:fontRef>
+        </p:style>
+        <p:txBody>
+          <a:bodyPr rtlCol="0" anchor="ctr"/>
+          <a:lstStyle/>
+          <a:p>
+            <a:pPr algn="ctr"/>
+            <a:r>
+              <a:rPr lang="en-US" sz="1400" dirty="0" smtClean="0"/>
+              <a:t>Request DTO</a:t>
+            </a:r>
+            <a:endParaRPr lang="en-US" sz="1400" dirty="0"/>
+          </a:p>
+        </p:txBody>
+      </p:sp>
+      <p:sp>
+        <p:nvSpPr>
+          <p:cNvPr id="11" name="Rectangle 10"/>
+          <p:cNvSpPr/>
+          <p:nvPr/>
+        </p:nvSpPr>
+        <p:spPr>
+          <a:xfrm>
+            <a:off x="5623681" y="1886394"/>
+            <a:ext cx="1713614" cy="1408812"/>
+          </a:xfrm>
+          <a:prstGeom prst="rect">
+            <a:avLst/>
+          </a:prstGeom>
+        </p:spPr>
+        <p:style>
+          <a:lnRef idx="2">
+            <a:schemeClr val="dk1"/>
+          </a:lnRef>
+          <a:fillRef idx="1">
+            <a:schemeClr val="lt1"/>
+          </a:fillRef>
+          <a:effectRef idx="0">
+            <a:schemeClr val="dk1"/>
+          </a:effectRef>
+          <a:fontRef idx="minor">
+            <a:schemeClr val="dk1"/>
+          </a:fontRef>
+        </p:style>
+        <p:txBody>
+          <a:bodyPr rtlCol="0" anchor="ctr"/>
+          <a:lstStyle/>
+          <a:p>
+            <a:pPr algn="ctr"/>
+            <a:r>
+              <a:rPr lang="en-US" dirty="0" smtClean="0">
+                <a:solidFill>
+                  <a:schemeClr val="accent3">
+                    <a:lumMod val="75000"/>
+                  </a:schemeClr>
+                </a:solidFill>
+              </a:rPr>
+              <a:t>IService&lt;T&gt;</a:t>
+            </a:r>
+          </a:p>
+          <a:p>
+            <a:pPr algn="ctr"/>
+            <a:r>
+              <a:rPr lang="en-US" dirty="0" smtClean="0">
+                <a:solidFill>
+                  <a:schemeClr val="accent6">
+                    <a:lumMod val="75000"/>
+                  </a:schemeClr>
+                </a:solidFill>
+              </a:rPr>
+              <a:t>IRestService&lt;T&gt;</a:t>
+            </a:r>
+            <a:endParaRPr lang="en-US" dirty="0">
+              <a:solidFill>
+                <a:schemeClr val="accent6">
+                  <a:lumMod val="75000"/>
+                </a:schemeClr>
+              </a:solidFill>
+            </a:endParaRPr>
+          </a:p>
+        </p:txBody>
+      </p:sp>
+      <p:sp>
+        <p:nvSpPr>
+          <p:cNvPr id="12" name="TextBox 11"/>
+          <p:cNvSpPr txBox="1"/>
+          <p:nvPr/>
+        </p:nvSpPr>
+        <p:spPr>
+          <a:xfrm>
+            <a:off x="5813295" y="1843690"/>
+            <a:ext cx="1283172" cy="307777"/>
+          </a:xfrm>
+          <a:prstGeom prst="rect">
+            <a:avLst/>
+          </a:prstGeom>
+          <a:noFill/>
+        </p:spPr>
+        <p:txBody>
+          <a:bodyPr wrap="none" rtlCol="0">
+            <a:spAutoFit/>
+          </a:bodyPr>
+          <a:lstStyle/>
+          <a:p>
+            <a:r>
+              <a:rPr lang="en-US" sz="1400" dirty="0" smtClean="0"/>
+              <a:t>your code here</a:t>
+            </a:r>
+            <a:endParaRPr lang="en-US" sz="1400" dirty="0"/>
+          </a:p>
+        </p:txBody>
+      </p:sp>
+      <p:sp>
+        <p:nvSpPr>
+          <p:cNvPr id="13" name="Rectangle 12"/>
+          <p:cNvSpPr/>
+          <p:nvPr/>
+        </p:nvSpPr>
+        <p:spPr>
+          <a:xfrm>
+            <a:off x="2765295" y="1918290"/>
+            <a:ext cx="1314900" cy="304800"/>
+          </a:xfrm>
+          <a:prstGeom prst="rect">
+            <a:avLst/>
+          </a:prstGeom>
+        </p:spPr>
+        <p:style>
+          <a:lnRef idx="2">
+            <a:schemeClr val="accent3">
+              <a:shade val="50000"/>
+            </a:schemeClr>
+          </a:lnRef>
+          <a:fillRef idx="1">
+            <a:schemeClr val="accent3"/>
+          </a:fillRef>
+          <a:effectRef idx="0">
+            <a:schemeClr val="accent3"/>
+          </a:effectRef>
+          <a:fontRef idx="minor">
+            <a:schemeClr val="lt1"/>
+          </a:fontRef>
+        </p:style>
+        <p:txBody>
+          <a:bodyPr rtlCol="0" anchor="ctr"/>
+          <a:lstStyle/>
+          <a:p>
+            <a:pPr algn="ctr"/>
+            <a:r>
+              <a:rPr lang="en-US" sz="1400" dirty="0" smtClean="0"/>
+              <a:t>Request DTO</a:t>
+            </a:r>
+            <a:endParaRPr lang="en-US" sz="1400" dirty="0"/>
+          </a:p>
+        </p:txBody>
+      </p:sp>
+      <p:sp>
+        <p:nvSpPr>
+          <p:cNvPr id="14" name="Rectangle 13"/>
+          <p:cNvSpPr/>
+          <p:nvPr/>
+        </p:nvSpPr>
+        <p:spPr>
+          <a:xfrm>
+            <a:off x="1012695" y="2441058"/>
+            <a:ext cx="1314900" cy="304800"/>
+          </a:xfrm>
+          <a:prstGeom prst="rect">
+            <a:avLst/>
+          </a:prstGeom>
+        </p:spPr>
+        <p:style>
+          <a:lnRef idx="2">
+            <a:schemeClr val="accent3">
+              <a:shade val="50000"/>
+            </a:schemeClr>
+          </a:lnRef>
+          <a:fillRef idx="1">
+            <a:schemeClr val="accent3"/>
+          </a:fillRef>
+          <a:effectRef idx="0">
+            <a:schemeClr val="accent3"/>
+          </a:effectRef>
+          <a:fontRef idx="minor">
+            <a:schemeClr val="lt1"/>
+          </a:fontRef>
+        </p:style>
+        <p:txBody>
+          <a:bodyPr rtlCol="0" anchor="ctr"/>
+          <a:lstStyle/>
+          <a:p>
+            <a:pPr algn="ctr"/>
+            <a:r>
+              <a:rPr lang="en-US" sz="1400" dirty="0" smtClean="0"/>
+              <a:t>Response DTO</a:t>
+            </a:r>
+            <a:endParaRPr lang="en-US" sz="1400" dirty="0"/>
+          </a:p>
+        </p:txBody>
+      </p:sp>
+      <p:cxnSp>
+        <p:nvCxnSpPr>
+          <p:cNvPr id="16" name="Straight Arrow Connector 15"/>
+          <p:cNvCxnSpPr>
+            <a:stCxn id="8" idx="3"/>
+            <a:endCxn id="11" idx="1"/>
+          </p:cNvCxnSpPr>
+          <p:nvPr/>
+        </p:nvCxnSpPr>
+        <p:spPr>
+          <a:xfrm flipV="1">
+            <a:off x="4260945" y="2590800"/>
+            <a:ext cx="1362736" cy="1771"/>
+          </a:xfrm>
+          <a:prstGeom prst="straightConnector1">
+            <a:avLst/>
+          </a:prstGeom>
+          <a:ln>
+            <a:tailEnd type="arrow"/>
+          </a:ln>
+        </p:spPr>
+        <p:style>
+          <a:lnRef idx="1">
+            <a:schemeClr val="accent1"/>
+          </a:lnRef>
+          <a:fillRef idx="0">
+            <a:schemeClr val="accent1"/>
+          </a:fillRef>
+          <a:effectRef idx="0">
+            <a:schemeClr val="accent1"/>
+          </a:effectRef>
+          <a:fontRef idx="minor">
+            <a:schemeClr val="tx1"/>
+          </a:fontRef>
+        </p:style>
+      </p:cxnSp>
+      <p:cxnSp>
+        <p:nvCxnSpPr>
+          <p:cNvPr id="21" name="Straight Arrow Connector 20"/>
+          <p:cNvCxnSpPr>
+            <a:stCxn id="13" idx="2"/>
+            <a:endCxn id="8" idx="0"/>
+          </p:cNvCxnSpPr>
+          <p:nvPr/>
+        </p:nvCxnSpPr>
+        <p:spPr>
+          <a:xfrm>
+            <a:off x="3422745" y="2223090"/>
+            <a:ext cx="0" cy="178981"/>
+          </a:xfrm>
+          <a:prstGeom prst="straightConnector1">
+            <a:avLst/>
+          </a:prstGeom>
+          <a:ln>
+            <a:tailEnd type="arrow"/>
+          </a:ln>
+        </p:spPr>
+        <p:style>
+          <a:lnRef idx="1">
+            <a:schemeClr val="accent1"/>
+          </a:lnRef>
+          <a:fillRef idx="0">
+            <a:schemeClr val="accent1"/>
+          </a:fillRef>
+          <a:effectRef idx="0">
+            <a:schemeClr val="accent1"/>
+          </a:effectRef>
+          <a:fontRef idx="minor">
+            <a:schemeClr val="tx1"/>
+          </a:fontRef>
+        </p:style>
+      </p:cxnSp>
+      <p:cxnSp>
+        <p:nvCxnSpPr>
+          <p:cNvPr id="23" name="Straight Arrow Connector 22"/>
+          <p:cNvCxnSpPr>
+            <a:stCxn id="8" idx="1"/>
+            <a:endCxn id="14" idx="3"/>
+          </p:cNvCxnSpPr>
+          <p:nvPr/>
+        </p:nvCxnSpPr>
+        <p:spPr>
+          <a:xfrm flipH="1">
+            <a:off x="2327595" y="2592571"/>
+            <a:ext cx="256950" cy="887"/>
+          </a:xfrm>
+          <a:prstGeom prst="straightConnector1">
+            <a:avLst/>
+          </a:prstGeom>
+          <a:ln>
+            <a:tailEnd type="arrow"/>
+          </a:ln>
+        </p:spPr>
+        <p:style>
+          <a:lnRef idx="1">
+            <a:schemeClr val="accent1"/>
+          </a:lnRef>
+          <a:fillRef idx="0">
+            <a:schemeClr val="accent1"/>
+          </a:fillRef>
+          <a:effectRef idx="0">
+            <a:schemeClr val="accent1"/>
+          </a:effectRef>
+          <a:fontRef idx="minor">
+            <a:schemeClr val="tx1"/>
+          </a:fontRef>
+        </p:style>
+      </p:cxnSp>
+      <p:sp>
+        <p:nvSpPr>
+          <p:cNvPr id="25" name="Rectangle 24"/>
+          <p:cNvSpPr/>
+          <p:nvPr/>
+        </p:nvSpPr>
+        <p:spPr>
+          <a:xfrm>
+            <a:off x="3062124" y="2908891"/>
+            <a:ext cx="769971" cy="228600"/>
+          </a:xfrm>
+          <a:prstGeom prst="rect">
+            <a:avLst/>
+          </a:prstGeom>
+        </p:spPr>
+        <p:style>
+          <a:lnRef idx="2">
+            <a:schemeClr val="dk1"/>
+          </a:lnRef>
+          <a:fillRef idx="1">
+            <a:schemeClr val="lt1"/>
+          </a:fillRef>
+          <a:effectRef idx="0">
+            <a:schemeClr val="dk1"/>
+          </a:effectRef>
+          <a:fontRef idx="minor">
+            <a:schemeClr val="dk1"/>
+          </a:fontRef>
+        </p:style>
+        <p:txBody>
+          <a:bodyPr rtlCol="0" anchor="ctr"/>
+          <a:lstStyle/>
+          <a:p>
+            <a:pPr algn="ctr"/>
+            <a:r>
+              <a:rPr lang="en-US" sz="1200" dirty="0" smtClean="0"/>
+              <a:t>JSON</a:t>
+            </a:r>
+            <a:endParaRPr lang="en-US" sz="1200" dirty="0"/>
+          </a:p>
+        </p:txBody>
+      </p:sp>
+      <p:sp>
+        <p:nvSpPr>
+          <p:cNvPr id="26" name="Rectangle 25"/>
+          <p:cNvSpPr/>
+          <p:nvPr/>
+        </p:nvSpPr>
+        <p:spPr>
+          <a:xfrm>
+            <a:off x="3062124" y="3104557"/>
+            <a:ext cx="769971" cy="228600"/>
+          </a:xfrm>
+          <a:prstGeom prst="rect">
+            <a:avLst/>
+          </a:prstGeom>
+        </p:spPr>
+        <p:style>
+          <a:lnRef idx="2">
+            <a:schemeClr val="dk1"/>
+          </a:lnRef>
+          <a:fillRef idx="1">
+            <a:schemeClr val="lt1"/>
+          </a:fillRef>
+          <a:effectRef idx="0">
+            <a:schemeClr val="dk1"/>
+          </a:effectRef>
+          <a:fontRef idx="minor">
+            <a:schemeClr val="dk1"/>
+          </a:fontRef>
+        </p:style>
+        <p:txBody>
+          <a:bodyPr rtlCol="0" anchor="ctr"/>
+          <a:lstStyle/>
+          <a:p>
+            <a:pPr algn="ctr"/>
+            <a:r>
+              <a:rPr lang="en-US" sz="1200" dirty="0" smtClean="0"/>
+              <a:t>XML</a:t>
+            </a:r>
+            <a:endParaRPr lang="en-US" sz="1200" dirty="0"/>
+          </a:p>
+        </p:txBody>
+      </p:sp>
+      <p:sp>
+        <p:nvSpPr>
+          <p:cNvPr id="27" name="Rectangle 26"/>
+          <p:cNvSpPr/>
+          <p:nvPr/>
+        </p:nvSpPr>
+        <p:spPr>
+          <a:xfrm>
+            <a:off x="3062124" y="3318981"/>
+            <a:ext cx="769971" cy="228600"/>
+          </a:xfrm>
+          <a:prstGeom prst="rect">
+            <a:avLst/>
+          </a:prstGeom>
+        </p:spPr>
+        <p:style>
+          <a:lnRef idx="2">
+            <a:schemeClr val="dk1"/>
+          </a:lnRef>
+          <a:fillRef idx="1">
+            <a:schemeClr val="lt1"/>
+          </a:fillRef>
+          <a:effectRef idx="0">
+            <a:schemeClr val="dk1"/>
+          </a:effectRef>
+          <a:fontRef idx="minor">
+            <a:schemeClr val="dk1"/>
+          </a:fontRef>
+        </p:style>
+        <p:txBody>
+          <a:bodyPr rtlCol="0" anchor="ctr"/>
+          <a:lstStyle/>
+          <a:p>
+            <a:pPr algn="ctr"/>
+            <a:r>
+              <a:rPr lang="en-US" sz="1200" dirty="0" smtClean="0"/>
+              <a:t>JSV</a:t>
+            </a:r>
+            <a:endParaRPr lang="en-US" sz="1200" dirty="0"/>
+          </a:p>
+        </p:txBody>
+      </p:sp>
+      <p:sp>
+        <p:nvSpPr>
+          <p:cNvPr id="28" name="Rectangle 27"/>
+          <p:cNvSpPr/>
+          <p:nvPr/>
+        </p:nvSpPr>
+        <p:spPr>
+          <a:xfrm>
+            <a:off x="3062124" y="3523657"/>
+            <a:ext cx="769971" cy="228600"/>
+          </a:xfrm>
+          <a:prstGeom prst="rect">
+            <a:avLst/>
+          </a:prstGeom>
+        </p:spPr>
+        <p:style>
+          <a:lnRef idx="2">
+            <a:schemeClr val="dk1"/>
+          </a:lnRef>
+          <a:fillRef idx="1">
+            <a:schemeClr val="lt1"/>
+          </a:fillRef>
+          <a:effectRef idx="0">
+            <a:schemeClr val="dk1"/>
+          </a:effectRef>
+          <a:fontRef idx="minor">
+            <a:schemeClr val="dk1"/>
+          </a:fontRef>
+        </p:style>
+        <p:txBody>
+          <a:bodyPr rtlCol="0" anchor="ctr"/>
+          <a:lstStyle/>
+          <a:p>
+            <a:pPr algn="ctr"/>
+            <a:r>
+              <a:rPr lang="en-US" sz="1200" dirty="0" smtClean="0"/>
+              <a:t>SOAP</a:t>
+            </a:r>
+            <a:endParaRPr lang="en-US" sz="1200" dirty="0"/>
+          </a:p>
+        </p:txBody>
+      </p:sp>
+      <p:sp>
+        <p:nvSpPr>
+          <p:cNvPr id="29" name="Rectangle 28"/>
+          <p:cNvSpPr/>
+          <p:nvPr/>
+        </p:nvSpPr>
+        <p:spPr>
+          <a:xfrm>
+            <a:off x="3062124" y="3747090"/>
+            <a:ext cx="769971" cy="228600"/>
+          </a:xfrm>
+          <a:prstGeom prst="rect">
+            <a:avLst/>
+          </a:prstGeom>
+        </p:spPr>
+        <p:style>
+          <a:lnRef idx="2">
+            <a:schemeClr val="dk1"/>
+          </a:lnRef>
+          <a:fillRef idx="1">
+            <a:schemeClr val="lt1"/>
+          </a:fillRef>
+          <a:effectRef idx="0">
+            <a:schemeClr val="dk1"/>
+          </a:effectRef>
+          <a:fontRef idx="minor">
+            <a:schemeClr val="dk1"/>
+          </a:fontRef>
+        </p:style>
+        <p:txBody>
+          <a:bodyPr rtlCol="0" anchor="ctr"/>
+          <a:lstStyle/>
+          <a:p>
+            <a:pPr algn="ctr"/>
+            <a:r>
+              <a:rPr lang="en-US" sz="1200" dirty="0" smtClean="0"/>
+              <a:t>ProtoBuf</a:t>
+            </a:r>
+            <a:endParaRPr lang="en-US" sz="1200" dirty="0"/>
+          </a:p>
+        </p:txBody>
+      </p:sp>
+      <p:sp>
+        <p:nvSpPr>
+          <p:cNvPr id="31" name="TextBox 30"/>
+          <p:cNvSpPr txBox="1"/>
+          <p:nvPr/>
+        </p:nvSpPr>
+        <p:spPr>
+          <a:xfrm>
+            <a:off x="990600" y="1461090"/>
+            <a:ext cx="1359090" cy="369332"/>
+          </a:xfrm>
+          <a:prstGeom prst="rect">
+            <a:avLst/>
+          </a:prstGeom>
+          <a:noFill/>
+        </p:spPr>
+        <p:txBody>
+          <a:bodyPr wrap="none" rtlCol="0">
+            <a:spAutoFit/>
+          </a:bodyPr>
+          <a:lstStyle/>
+          <a:p>
+            <a:r>
+              <a:rPr lang="en-US" dirty="0" smtClean="0"/>
+              <a:t>HTTP Clients</a:t>
+            </a:r>
+            <a:endParaRPr lang="en-US" dirty="0"/>
+          </a:p>
+        </p:txBody>
+      </p:sp>
+      <p:sp>
+        <p:nvSpPr>
+          <p:cNvPr id="78" name="TextBox 77"/>
+          <p:cNvSpPr txBox="1"/>
+          <p:nvPr/>
+        </p:nvSpPr>
+        <p:spPr>
+          <a:xfrm>
+            <a:off x="2651209" y="3986322"/>
+            <a:ext cx="1609736" cy="276999"/>
+          </a:xfrm>
+          <a:prstGeom prst="rect">
+            <a:avLst/>
+          </a:prstGeom>
+          <a:noFill/>
+        </p:spPr>
+        <p:txBody>
+          <a:bodyPr wrap="none" rtlCol="0">
+            <a:spAutoFit/>
+          </a:bodyPr>
+          <a:lstStyle/>
+          <a:p>
+            <a:r>
+              <a:rPr lang="en-US" sz="1200" dirty="0" smtClean="0"/>
+              <a:t>Generic Service Clients</a:t>
+            </a:r>
+            <a:endParaRPr lang="en-US" sz="1200" dirty="0"/>
+          </a:p>
+        </p:txBody>
+      </p:sp>
+    </p:spTree>
+    <p:extLst>
+      <p:ext uri="{BB962C8B-B14F-4D97-AF65-F5344CB8AC3E}">
+        <p14:creationId xmlns:p14="http://schemas.microsoft.com/office/powerpoint/2010/main" val="2464892215"/>
+      </p:ext>
+    </p:extLst>
+  </p:cSld>
+  <p:clrMapOvr>
+    <a:masterClrMapping/>
+  </p:clrMapOvr>
+</p:sld>
+</file>
+
+<file path=ppt/slides/slide3.xml><?xml version="1.0" encoding="utf-8"?>
+<p:sld xmlns:a="http://schemas.openxmlformats.org/drawingml/2006/main" xmlns:r="http://schemas.openxmlformats.org/officeDocument/2006/relationships" xmlns:p="http://schemas.openxmlformats.org/presentationml/2006/main">
+  <p:cSld>
+    <p:spTree>
+      <p:nvGrpSpPr>
+        <p:cNvPr id="1" name=""/>
+        <p:cNvGrpSpPr/>
+        <p:nvPr/>
+      </p:nvGrpSpPr>
+      <p:grpSpPr>
+        <a:xfrm>
+          <a:off x="0" y="0"/>
+          <a:ext cx="0" cy="0"/>
+          <a:chOff x="0" y="0"/>
+          <a:chExt cx="0" cy="0"/>
+        </a:xfrm>
+      </p:grpSpPr>
+      <p:sp>
+        <p:nvSpPr>
+          <p:cNvPr id="4" name="Rectangle 3"/>
+          <p:cNvSpPr/>
+          <p:nvPr/>
+        </p:nvSpPr>
+        <p:spPr>
+          <a:xfrm>
+            <a:off x="4217571" y="3694961"/>
+            <a:ext cx="769971" cy="228600"/>
+          </a:xfrm>
+          <a:prstGeom prst="rect">
+            <a:avLst/>
+          </a:prstGeom>
+        </p:spPr>
+        <p:style>
+          <a:lnRef idx="2">
+            <a:schemeClr val="dk1"/>
+          </a:lnRef>
+          <a:fillRef idx="1">
+            <a:schemeClr val="lt1"/>
+          </a:fillRef>
+          <a:effectRef idx="0">
+            <a:schemeClr val="dk1"/>
+          </a:effectRef>
+          <a:fontRef idx="minor">
+            <a:schemeClr val="dk1"/>
+          </a:fontRef>
+        </p:style>
+        <p:txBody>
+          <a:bodyPr rtlCol="0" anchor="ctr"/>
+          <a:lstStyle/>
+          <a:p>
+            <a:pPr algn="ctr"/>
+            <a:r>
+              <a:rPr lang="en-US" sz="1200" dirty="0" smtClean="0"/>
+              <a:t>DLQ</a:t>
+            </a:r>
+            <a:endParaRPr lang="en-US" sz="1200" dirty="0"/>
+          </a:p>
+        </p:txBody>
+      </p:sp>
+      <p:sp>
+        <p:nvSpPr>
+          <p:cNvPr id="5" name="Rectangle 4"/>
+          <p:cNvSpPr/>
+          <p:nvPr/>
+        </p:nvSpPr>
+        <p:spPr>
+          <a:xfrm>
+            <a:off x="1518683" y="2466016"/>
+            <a:ext cx="1676400" cy="381000"/>
+          </a:xfrm>
+          <a:prstGeom prst="rect">
+            <a:avLst/>
+          </a:prstGeom>
+        </p:spPr>
+        <p:style>
+          <a:lnRef idx="2">
+            <a:schemeClr val="accent3"/>
+          </a:lnRef>
+          <a:fillRef idx="1">
+            <a:schemeClr val="lt1"/>
+          </a:fillRef>
+          <a:effectRef idx="0">
+            <a:schemeClr val="accent3"/>
+          </a:effectRef>
+          <a:fontRef idx="minor">
+            <a:schemeClr val="dk1"/>
+          </a:fontRef>
+        </p:style>
+        <p:txBody>
+          <a:bodyPr rtlCol="0" anchor="ctr"/>
+          <a:lstStyle/>
+          <a:p>
+            <a:pPr algn="ctr"/>
+            <a:r>
+              <a:rPr lang="en-US" dirty="0" smtClean="0"/>
+              <a:t>IMessage&lt;T&gt;</a:t>
+            </a:r>
+            <a:endParaRPr lang="en-US" dirty="0"/>
+          </a:p>
+        </p:txBody>
+      </p:sp>
+      <p:sp>
+        <p:nvSpPr>
+          <p:cNvPr id="6" name="TextBox 5"/>
+          <p:cNvSpPr txBox="1"/>
+          <p:nvPr/>
+        </p:nvSpPr>
+        <p:spPr>
+          <a:xfrm>
+            <a:off x="1357232" y="1524149"/>
+            <a:ext cx="1221296" cy="369332"/>
+          </a:xfrm>
+          <a:prstGeom prst="rect">
+            <a:avLst/>
+          </a:prstGeom>
+          <a:noFill/>
+        </p:spPr>
+        <p:txBody>
+          <a:bodyPr wrap="none" rtlCol="0">
+            <a:spAutoFit/>
+          </a:bodyPr>
+          <a:lstStyle/>
+          <a:p>
+            <a:r>
+              <a:rPr lang="en-US" dirty="0" smtClean="0"/>
+              <a:t>MQ Clients</a:t>
+            </a:r>
+            <a:endParaRPr lang="en-US" dirty="0"/>
+          </a:p>
+        </p:txBody>
+      </p:sp>
+      <p:sp>
+        <p:nvSpPr>
+          <p:cNvPr id="7" name="Rectangle 6"/>
+          <p:cNvSpPr/>
+          <p:nvPr/>
+        </p:nvSpPr>
+        <p:spPr>
+          <a:xfrm>
+            <a:off x="6259032" y="3352949"/>
+            <a:ext cx="1314900" cy="304800"/>
+          </a:xfrm>
+          <a:prstGeom prst="rect">
+            <a:avLst/>
+          </a:prstGeom>
+        </p:spPr>
+        <p:style>
+          <a:lnRef idx="2">
+            <a:schemeClr val="accent3">
+              <a:shade val="50000"/>
+            </a:schemeClr>
+          </a:lnRef>
+          <a:fillRef idx="1">
+            <a:schemeClr val="accent3"/>
+          </a:fillRef>
+          <a:effectRef idx="0">
+            <a:schemeClr val="accent3"/>
+          </a:effectRef>
+          <a:fontRef idx="minor">
+            <a:schemeClr val="lt1"/>
+          </a:fontRef>
+        </p:style>
+        <p:txBody>
+          <a:bodyPr rtlCol="0" anchor="ctr"/>
+          <a:lstStyle/>
+          <a:p>
+            <a:pPr algn="ctr"/>
+            <a:r>
+              <a:rPr lang="en-US" sz="1400" dirty="0" smtClean="0"/>
+              <a:t>Response DTO</a:t>
+            </a:r>
+            <a:endParaRPr lang="en-US" sz="1400" dirty="0"/>
+          </a:p>
+        </p:txBody>
+      </p:sp>
+      <p:sp>
+        <p:nvSpPr>
+          <p:cNvPr id="8" name="Rectangle 7"/>
+          <p:cNvSpPr/>
+          <p:nvPr/>
+        </p:nvSpPr>
+        <p:spPr>
+          <a:xfrm>
+            <a:off x="6248400" y="1557082"/>
+            <a:ext cx="1314900" cy="304800"/>
+          </a:xfrm>
+          <a:prstGeom prst="rect">
+            <a:avLst/>
+          </a:prstGeom>
+        </p:spPr>
+        <p:style>
+          <a:lnRef idx="2">
+            <a:schemeClr val="accent3">
+              <a:shade val="50000"/>
+            </a:schemeClr>
+          </a:lnRef>
+          <a:fillRef idx="1">
+            <a:schemeClr val="accent3"/>
+          </a:fillRef>
+          <a:effectRef idx="0">
+            <a:schemeClr val="accent3"/>
+          </a:effectRef>
+          <a:fontRef idx="minor">
+            <a:schemeClr val="lt1"/>
+          </a:fontRef>
+        </p:style>
+        <p:txBody>
+          <a:bodyPr rtlCol="0" anchor="ctr"/>
+          <a:lstStyle/>
+          <a:p>
+            <a:pPr algn="ctr"/>
+            <a:r>
+              <a:rPr lang="en-US" sz="1400" dirty="0" smtClean="0"/>
+              <a:t>Request DTO</a:t>
+            </a:r>
+            <a:endParaRPr lang="en-US" sz="1400" dirty="0"/>
+          </a:p>
+        </p:txBody>
+      </p:sp>
+      <p:sp>
+        <p:nvSpPr>
+          <p:cNvPr id="9" name="Rectangle 8"/>
+          <p:cNvSpPr/>
+          <p:nvPr/>
+        </p:nvSpPr>
+        <p:spPr>
+          <a:xfrm>
+            <a:off x="6058786" y="1906186"/>
+            <a:ext cx="1713614" cy="1408812"/>
+          </a:xfrm>
+          <a:prstGeom prst="rect">
+            <a:avLst/>
+          </a:prstGeom>
+        </p:spPr>
+        <p:style>
+          <a:lnRef idx="2">
+            <a:schemeClr val="dk1"/>
+          </a:lnRef>
+          <a:fillRef idx="1">
+            <a:schemeClr val="lt1"/>
+          </a:fillRef>
+          <a:effectRef idx="0">
+            <a:schemeClr val="dk1"/>
+          </a:effectRef>
+          <a:fontRef idx="minor">
+            <a:schemeClr val="dk1"/>
+          </a:fontRef>
+        </p:style>
+        <p:txBody>
+          <a:bodyPr rtlCol="0" anchor="ctr"/>
+          <a:lstStyle/>
+          <a:p>
+            <a:pPr algn="ctr"/>
+            <a:r>
+              <a:rPr lang="en-US" dirty="0" smtClean="0">
+                <a:solidFill>
+                  <a:schemeClr val="accent3">
+                    <a:lumMod val="75000"/>
+                  </a:schemeClr>
+                </a:solidFill>
+              </a:rPr>
+              <a:t>IService&lt;T&gt;</a:t>
+            </a:r>
+          </a:p>
+        </p:txBody>
+      </p:sp>
+      <p:sp>
+        <p:nvSpPr>
+          <p:cNvPr id="10" name="TextBox 9"/>
+          <p:cNvSpPr txBox="1"/>
+          <p:nvPr/>
+        </p:nvSpPr>
+        <p:spPr>
+          <a:xfrm>
+            <a:off x="6248400" y="1863482"/>
+            <a:ext cx="1283172" cy="307777"/>
+          </a:xfrm>
+          <a:prstGeom prst="rect">
+            <a:avLst/>
+          </a:prstGeom>
+          <a:noFill/>
+        </p:spPr>
+        <p:txBody>
+          <a:bodyPr wrap="none" rtlCol="0">
+            <a:spAutoFit/>
+          </a:bodyPr>
+          <a:lstStyle/>
+          <a:p>
+            <a:r>
+              <a:rPr lang="en-US" sz="1400" dirty="0" smtClean="0"/>
+              <a:t>your code here</a:t>
+            </a:r>
+            <a:endParaRPr lang="en-US" sz="1400" dirty="0"/>
+          </a:p>
+        </p:txBody>
+      </p:sp>
+      <p:sp>
+        <p:nvSpPr>
+          <p:cNvPr id="11" name="Rectangle 10"/>
+          <p:cNvSpPr/>
+          <p:nvPr/>
+        </p:nvSpPr>
+        <p:spPr>
+          <a:xfrm>
+            <a:off x="1398180" y="3064097"/>
+            <a:ext cx="1917406" cy="381000"/>
+          </a:xfrm>
+          <a:prstGeom prst="rect">
+            <a:avLst/>
+          </a:prstGeom>
+        </p:spPr>
+        <p:style>
+          <a:lnRef idx="1">
+            <a:schemeClr val="accent3"/>
+          </a:lnRef>
+          <a:fillRef idx="2">
+            <a:schemeClr val="accent3"/>
+          </a:fillRef>
+          <a:effectRef idx="1">
+            <a:schemeClr val="accent3"/>
+          </a:effectRef>
+          <a:fontRef idx="minor">
+            <a:schemeClr val="dk1"/>
+          </a:fontRef>
+        </p:style>
+        <p:txBody>
+          <a:bodyPr rtlCol="0" anchor="ctr"/>
+          <a:lstStyle/>
+          <a:p>
+            <a:pPr algn="ctr"/>
+            <a:r>
+              <a:rPr lang="en-US" dirty="0"/>
+              <a:t>IMessageProducer</a:t>
+            </a:r>
+          </a:p>
+        </p:txBody>
+      </p:sp>
+      <p:sp>
+        <p:nvSpPr>
+          <p:cNvPr id="12" name="Rectangle 11"/>
+          <p:cNvSpPr/>
+          <p:nvPr/>
+        </p:nvSpPr>
+        <p:spPr>
+          <a:xfrm>
+            <a:off x="1715386" y="2160329"/>
+            <a:ext cx="1314900" cy="304800"/>
+          </a:xfrm>
+          <a:prstGeom prst="rect">
+            <a:avLst/>
+          </a:prstGeom>
+        </p:spPr>
+        <p:style>
+          <a:lnRef idx="2">
+            <a:schemeClr val="accent3">
+              <a:shade val="50000"/>
+            </a:schemeClr>
+          </a:lnRef>
+          <a:fillRef idx="1">
+            <a:schemeClr val="accent3"/>
+          </a:fillRef>
+          <a:effectRef idx="0">
+            <a:schemeClr val="accent3"/>
+          </a:effectRef>
+          <a:fontRef idx="minor">
+            <a:schemeClr val="lt1"/>
+          </a:fontRef>
+        </p:style>
+        <p:txBody>
+          <a:bodyPr rtlCol="0" anchor="ctr"/>
+          <a:lstStyle/>
+          <a:p>
+            <a:pPr algn="ctr"/>
+            <a:r>
+              <a:rPr lang="en-US" sz="1400" dirty="0" smtClean="0"/>
+              <a:t>Request DTO</a:t>
+            </a:r>
+            <a:endParaRPr lang="en-US" sz="1400" dirty="0"/>
+          </a:p>
+        </p:txBody>
+      </p:sp>
+      <p:sp>
+        <p:nvSpPr>
+          <p:cNvPr id="13" name="Rounded Rectangle 12"/>
+          <p:cNvSpPr/>
+          <p:nvPr/>
+        </p:nvSpPr>
+        <p:spPr>
+          <a:xfrm>
+            <a:off x="4001386" y="2296781"/>
+            <a:ext cx="1219200" cy="704406"/>
+          </a:xfrm>
+          <a:prstGeom prst="roundRect">
+            <a:avLst/>
+          </a:prstGeom>
+        </p:spPr>
+        <p:style>
+          <a:lnRef idx="1">
+            <a:schemeClr val="accent6"/>
+          </a:lnRef>
+          <a:fillRef idx="3">
+            <a:schemeClr val="accent6"/>
+          </a:fillRef>
+          <a:effectRef idx="2">
+            <a:schemeClr val="accent6"/>
+          </a:effectRef>
+          <a:fontRef idx="minor">
+            <a:schemeClr val="lt1"/>
+          </a:fontRef>
+        </p:style>
+        <p:txBody>
+          <a:bodyPr rtlCol="0" anchor="ctr"/>
+          <a:lstStyle/>
+          <a:p>
+            <a:pPr algn="ctr"/>
+            <a:r>
+              <a:rPr lang="en-US" dirty="0" smtClean="0"/>
+              <a:t>MQ Broker</a:t>
+            </a:r>
+            <a:endParaRPr lang="en-US" dirty="0"/>
+          </a:p>
+        </p:txBody>
+      </p:sp>
+      <p:cxnSp>
+        <p:nvCxnSpPr>
+          <p:cNvPr id="14" name="Straight Arrow Connector 13"/>
+          <p:cNvCxnSpPr>
+            <a:stCxn id="5" idx="2"/>
+            <a:endCxn id="11" idx="0"/>
+          </p:cNvCxnSpPr>
+          <p:nvPr/>
+        </p:nvCxnSpPr>
+        <p:spPr>
+          <a:xfrm>
+            <a:off x="2356883" y="2847016"/>
+            <a:ext cx="0" cy="217081"/>
+          </a:xfrm>
+          <a:prstGeom prst="straightConnector1">
+            <a:avLst/>
+          </a:prstGeom>
+          <a:ln>
+            <a:tailEnd type="arrow"/>
+          </a:ln>
+        </p:spPr>
+        <p:style>
+          <a:lnRef idx="1">
+            <a:schemeClr val="accent1"/>
+          </a:lnRef>
+          <a:fillRef idx="0">
+            <a:schemeClr val="accent1"/>
+          </a:fillRef>
+          <a:effectRef idx="0">
+            <a:schemeClr val="accent1"/>
+          </a:effectRef>
+          <a:fontRef idx="minor">
+            <a:schemeClr val="tx1"/>
+          </a:fontRef>
+        </p:style>
+      </p:cxnSp>
+      <p:sp>
+        <p:nvSpPr>
+          <p:cNvPr id="15" name="Rectangle 14"/>
+          <p:cNvSpPr/>
+          <p:nvPr/>
+        </p:nvSpPr>
+        <p:spPr>
+          <a:xfrm>
+            <a:off x="4217571" y="3048149"/>
+            <a:ext cx="769971" cy="228600"/>
+          </a:xfrm>
+          <a:prstGeom prst="rect">
+            <a:avLst/>
+          </a:prstGeom>
+        </p:spPr>
+        <p:style>
+          <a:lnRef idx="2">
+            <a:schemeClr val="dk1"/>
+          </a:lnRef>
+          <a:fillRef idx="1">
+            <a:schemeClr val="lt1"/>
+          </a:fillRef>
+          <a:effectRef idx="0">
+            <a:schemeClr val="dk1"/>
+          </a:effectRef>
+          <a:fontRef idx="minor">
+            <a:schemeClr val="dk1"/>
+          </a:fontRef>
+        </p:style>
+        <p:txBody>
+          <a:bodyPr rtlCol="0" anchor="ctr"/>
+          <a:lstStyle/>
+          <a:p>
+            <a:pPr algn="ctr"/>
+            <a:r>
+              <a:rPr lang="en-US" sz="1200" dirty="0" smtClean="0"/>
+              <a:t>PriorityQ</a:t>
+            </a:r>
+            <a:endParaRPr lang="en-US" sz="1200" dirty="0"/>
+          </a:p>
+        </p:txBody>
+      </p:sp>
+      <p:sp>
+        <p:nvSpPr>
+          <p:cNvPr id="16" name="Rectangle 15"/>
+          <p:cNvSpPr/>
+          <p:nvPr/>
+        </p:nvSpPr>
+        <p:spPr>
+          <a:xfrm>
+            <a:off x="4217571" y="3270395"/>
+            <a:ext cx="769971" cy="228600"/>
+          </a:xfrm>
+          <a:prstGeom prst="rect">
+            <a:avLst/>
+          </a:prstGeom>
+        </p:spPr>
+        <p:style>
+          <a:lnRef idx="2">
+            <a:schemeClr val="dk1"/>
+          </a:lnRef>
+          <a:fillRef idx="1">
+            <a:schemeClr val="lt1"/>
+          </a:fillRef>
+          <a:effectRef idx="0">
+            <a:schemeClr val="dk1"/>
+          </a:effectRef>
+          <a:fontRef idx="minor">
+            <a:schemeClr val="dk1"/>
+          </a:fontRef>
+        </p:style>
+        <p:txBody>
+          <a:bodyPr rtlCol="0" anchor="ctr"/>
+          <a:lstStyle/>
+          <a:p>
+            <a:pPr algn="ctr"/>
+            <a:r>
+              <a:rPr lang="en-US" sz="1200" dirty="0" smtClean="0"/>
+              <a:t>InQ</a:t>
+            </a:r>
+            <a:endParaRPr lang="en-US" sz="1200" dirty="0"/>
+          </a:p>
+        </p:txBody>
+      </p:sp>
+      <p:sp>
+        <p:nvSpPr>
+          <p:cNvPr id="17" name="Rectangle 16"/>
+          <p:cNvSpPr/>
+          <p:nvPr/>
+        </p:nvSpPr>
+        <p:spPr>
+          <a:xfrm>
+            <a:off x="4217571" y="3484819"/>
+            <a:ext cx="769971" cy="228600"/>
+          </a:xfrm>
+          <a:prstGeom prst="rect">
+            <a:avLst/>
+          </a:prstGeom>
+        </p:spPr>
+        <p:style>
+          <a:lnRef idx="2">
+            <a:schemeClr val="dk1"/>
+          </a:lnRef>
+          <a:fillRef idx="1">
+            <a:schemeClr val="lt1"/>
+          </a:fillRef>
+          <a:effectRef idx="0">
+            <a:schemeClr val="dk1"/>
+          </a:effectRef>
+          <a:fontRef idx="minor">
+            <a:schemeClr val="dk1"/>
+          </a:fontRef>
+        </p:style>
+        <p:txBody>
+          <a:bodyPr rtlCol="0" anchor="ctr"/>
+          <a:lstStyle/>
+          <a:p>
+            <a:pPr algn="ctr"/>
+            <a:r>
+              <a:rPr lang="en-US" sz="1200" dirty="0" smtClean="0"/>
+              <a:t>OutQ</a:t>
+            </a:r>
+            <a:endParaRPr lang="en-US" sz="1200" dirty="0"/>
+          </a:p>
+        </p:txBody>
+      </p:sp>
+      <p:cxnSp>
+        <p:nvCxnSpPr>
+          <p:cNvPr id="18" name="Straight Arrow Connector 17"/>
+          <p:cNvCxnSpPr>
+            <a:stCxn id="11" idx="3"/>
+          </p:cNvCxnSpPr>
+          <p:nvPr/>
+        </p:nvCxnSpPr>
+        <p:spPr>
+          <a:xfrm>
+            <a:off x="3315586" y="3254597"/>
+            <a:ext cx="901985" cy="0"/>
+          </a:xfrm>
+          <a:prstGeom prst="straightConnector1">
+            <a:avLst/>
+          </a:prstGeom>
+          <a:ln>
+            <a:tailEnd type="arrow"/>
+          </a:ln>
+        </p:spPr>
+        <p:style>
+          <a:lnRef idx="1">
+            <a:schemeClr val="accent1"/>
+          </a:lnRef>
+          <a:fillRef idx="0">
+            <a:schemeClr val="accent1"/>
+          </a:fillRef>
+          <a:effectRef idx="0">
+            <a:schemeClr val="accent1"/>
+          </a:effectRef>
+          <a:fontRef idx="minor">
+            <a:schemeClr val="tx1"/>
+          </a:fontRef>
+        </p:style>
+      </p:cxnSp>
+      <p:sp>
+        <p:nvSpPr>
+          <p:cNvPr id="19" name="Rectangle 18"/>
+          <p:cNvSpPr/>
+          <p:nvPr/>
+        </p:nvSpPr>
+        <p:spPr>
+          <a:xfrm>
+            <a:off x="6232450" y="3962549"/>
+            <a:ext cx="1362746" cy="228600"/>
+          </a:xfrm>
+          <a:prstGeom prst="rect">
+            <a:avLst/>
+          </a:prstGeom>
+        </p:spPr>
+        <p:style>
+          <a:lnRef idx="2">
+            <a:schemeClr val="dk1"/>
+          </a:lnRef>
+          <a:fillRef idx="1">
+            <a:schemeClr val="lt1"/>
+          </a:fillRef>
+          <a:effectRef idx="0">
+            <a:schemeClr val="dk1"/>
+          </a:effectRef>
+          <a:fontRef idx="minor">
+            <a:schemeClr val="dk1"/>
+          </a:fontRef>
+        </p:style>
+        <p:txBody>
+          <a:bodyPr rtlCol="0" anchor="ctr"/>
+          <a:lstStyle/>
+          <a:p>
+            <a:pPr algn="ctr"/>
+            <a:r>
+              <a:rPr lang="en-US" sz="1200" dirty="0" smtClean="0"/>
+              <a:t>HTTP Web Service</a:t>
+            </a:r>
+            <a:endParaRPr lang="en-US" sz="1200" dirty="0"/>
+          </a:p>
+        </p:txBody>
+      </p:sp>
+      <p:cxnSp>
+        <p:nvCxnSpPr>
+          <p:cNvPr id="20" name="Straight Arrow Connector 19"/>
+          <p:cNvCxnSpPr>
+            <a:stCxn id="7" idx="1"/>
+          </p:cNvCxnSpPr>
+          <p:nvPr/>
+        </p:nvCxnSpPr>
+        <p:spPr>
+          <a:xfrm flipH="1">
+            <a:off x="4991986" y="3505349"/>
+            <a:ext cx="1267046" cy="0"/>
+          </a:xfrm>
+          <a:prstGeom prst="straightConnector1">
+            <a:avLst/>
+          </a:prstGeom>
+          <a:ln>
+            <a:tailEnd type="arrow"/>
+          </a:ln>
+        </p:spPr>
+        <p:style>
+          <a:lnRef idx="1">
+            <a:schemeClr val="accent1"/>
+          </a:lnRef>
+          <a:fillRef idx="0">
+            <a:schemeClr val="accent1"/>
+          </a:fillRef>
+          <a:effectRef idx="0">
+            <a:schemeClr val="accent1"/>
+          </a:effectRef>
+          <a:fontRef idx="minor">
+            <a:schemeClr val="tx1"/>
+          </a:fontRef>
+        </p:style>
+      </p:cxnSp>
+      <p:cxnSp>
+        <p:nvCxnSpPr>
+          <p:cNvPr id="21" name="Straight Arrow Connector 20"/>
+          <p:cNvCxnSpPr>
+            <a:stCxn id="7" idx="2"/>
+            <a:endCxn id="19" idx="0"/>
+          </p:cNvCxnSpPr>
+          <p:nvPr/>
+        </p:nvCxnSpPr>
+        <p:spPr>
+          <a:xfrm flipH="1">
+            <a:off x="6913823" y="3657749"/>
+            <a:ext cx="2659" cy="304800"/>
+          </a:xfrm>
+          <a:prstGeom prst="straightConnector1">
+            <a:avLst/>
+          </a:prstGeom>
+          <a:ln>
+            <a:tailEnd type="arrow"/>
+          </a:ln>
+        </p:spPr>
+        <p:style>
+          <a:lnRef idx="1">
+            <a:schemeClr val="accent1"/>
+          </a:lnRef>
+          <a:fillRef idx="0">
+            <a:schemeClr val="accent1"/>
+          </a:fillRef>
+          <a:effectRef idx="0">
+            <a:schemeClr val="accent1"/>
+          </a:effectRef>
+          <a:fontRef idx="minor">
+            <a:schemeClr val="tx1"/>
+          </a:fontRef>
+        </p:style>
+      </p:cxnSp>
+      <p:cxnSp>
+        <p:nvCxnSpPr>
+          <p:cNvPr id="22" name="Straight Arrow Connector 21"/>
+          <p:cNvCxnSpPr>
+            <a:endCxn id="9" idx="1"/>
+          </p:cNvCxnSpPr>
+          <p:nvPr/>
+        </p:nvCxnSpPr>
+        <p:spPr>
+          <a:xfrm flipV="1">
+            <a:off x="4991986" y="2610592"/>
+            <a:ext cx="1066800" cy="659804"/>
+          </a:xfrm>
+          <a:prstGeom prst="straightConnector1">
+            <a:avLst/>
+          </a:prstGeom>
+          <a:ln>
+            <a:tailEnd type="arrow"/>
+          </a:ln>
+        </p:spPr>
+        <p:style>
+          <a:lnRef idx="1">
+            <a:schemeClr val="accent1"/>
+          </a:lnRef>
+          <a:fillRef idx="0">
+            <a:schemeClr val="accent1"/>
+          </a:fillRef>
+          <a:effectRef idx="0">
+            <a:schemeClr val="accent1"/>
+          </a:effectRef>
+          <a:fontRef idx="minor">
+            <a:schemeClr val="tx1"/>
+          </a:fontRef>
+        </p:style>
+      </p:cxnSp>
+      <p:sp>
+        <p:nvSpPr>
+          <p:cNvPr id="23" name="Rectangle 22"/>
+          <p:cNvSpPr/>
+          <p:nvPr/>
+        </p:nvSpPr>
+        <p:spPr>
+          <a:xfrm>
+            <a:off x="1955515" y="3543449"/>
+            <a:ext cx="769971" cy="228600"/>
+          </a:xfrm>
+          <a:prstGeom prst="rect">
+            <a:avLst/>
+          </a:prstGeom>
+        </p:spPr>
+        <p:style>
+          <a:lnRef idx="2">
+            <a:schemeClr val="dk1"/>
+          </a:lnRef>
+          <a:fillRef idx="1">
+            <a:schemeClr val="lt1"/>
+          </a:fillRef>
+          <a:effectRef idx="0">
+            <a:schemeClr val="dk1"/>
+          </a:effectRef>
+          <a:fontRef idx="minor">
+            <a:schemeClr val="dk1"/>
+          </a:fontRef>
+        </p:style>
+        <p:txBody>
+          <a:bodyPr rtlCol="0" anchor="ctr"/>
+          <a:lstStyle/>
+          <a:p>
+            <a:pPr algn="ctr"/>
+            <a:r>
+              <a:rPr lang="en-US" sz="1200" dirty="0" smtClean="0"/>
+              <a:t>Redis</a:t>
+            </a:r>
+            <a:endParaRPr lang="en-US" sz="1200" dirty="0"/>
+          </a:p>
+        </p:txBody>
+      </p:sp>
+      <p:sp>
+        <p:nvSpPr>
+          <p:cNvPr id="24" name="Rectangle 23"/>
+          <p:cNvSpPr/>
+          <p:nvPr/>
+        </p:nvSpPr>
+        <p:spPr>
+          <a:xfrm>
+            <a:off x="1955515" y="3755063"/>
+            <a:ext cx="769971" cy="228600"/>
+          </a:xfrm>
+          <a:prstGeom prst="rect">
+            <a:avLst/>
+          </a:prstGeom>
+        </p:spPr>
+        <p:style>
+          <a:lnRef idx="2">
+            <a:schemeClr val="dk1"/>
+          </a:lnRef>
+          <a:fillRef idx="1">
+            <a:schemeClr val="lt1"/>
+          </a:fillRef>
+          <a:effectRef idx="0">
+            <a:schemeClr val="dk1"/>
+          </a:effectRef>
+          <a:fontRef idx="minor">
+            <a:schemeClr val="dk1"/>
+          </a:fontRef>
+        </p:style>
+        <p:txBody>
+          <a:bodyPr rtlCol="0" anchor="ctr"/>
+          <a:lstStyle/>
+          <a:p>
+            <a:pPr algn="ctr"/>
+            <a:r>
+              <a:rPr lang="en-US" sz="1200" dirty="0" smtClean="0"/>
+              <a:t>Memory</a:t>
+            </a:r>
+            <a:endParaRPr lang="en-US" sz="1200" dirty="0"/>
+          </a:p>
+        </p:txBody>
+      </p:sp>
+      <p:sp>
+        <p:nvSpPr>
+          <p:cNvPr id="25" name="Rectangle 24"/>
+          <p:cNvSpPr/>
+          <p:nvPr/>
+        </p:nvSpPr>
+        <p:spPr>
+          <a:xfrm>
+            <a:off x="1955515" y="3969487"/>
+            <a:ext cx="769971" cy="228600"/>
+          </a:xfrm>
+          <a:prstGeom prst="rect">
+            <a:avLst/>
+          </a:prstGeom>
+        </p:spPr>
+        <p:style>
+          <a:lnRef idx="2">
+            <a:schemeClr val="dk1"/>
+          </a:lnRef>
+          <a:fillRef idx="1">
+            <a:schemeClr val="lt1"/>
+          </a:fillRef>
+          <a:effectRef idx="0">
+            <a:schemeClr val="dk1"/>
+          </a:effectRef>
+          <a:fontRef idx="minor">
+            <a:schemeClr val="dk1"/>
+          </a:fontRef>
+        </p:style>
+        <p:txBody>
+          <a:bodyPr rtlCol="0" anchor="ctr"/>
+          <a:lstStyle/>
+          <a:p>
+            <a:pPr algn="ctr"/>
+            <a:r>
+              <a:rPr lang="en-US" sz="1200" dirty="0" smtClean="0"/>
+              <a:t>RCon</a:t>
+            </a:r>
+            <a:endParaRPr lang="en-US" sz="1200" dirty="0"/>
+          </a:p>
+        </p:txBody>
+      </p:sp>
+      <p:sp>
+        <p:nvSpPr>
+          <p:cNvPr id="26" name="TextBox 25"/>
+          <p:cNvSpPr txBox="1"/>
+          <p:nvPr/>
+        </p:nvSpPr>
+        <p:spPr>
+          <a:xfrm>
+            <a:off x="1791586" y="4218950"/>
+            <a:ext cx="1095749" cy="276999"/>
+          </a:xfrm>
+          <a:prstGeom prst="rect">
+            <a:avLst/>
+          </a:prstGeom>
+          <a:noFill/>
+        </p:spPr>
+        <p:txBody>
+          <a:bodyPr wrap="none" rtlCol="0">
+            <a:spAutoFit/>
+          </a:bodyPr>
+          <a:lstStyle/>
+          <a:p>
+            <a:r>
+              <a:rPr lang="en-US" sz="1200" dirty="0" smtClean="0"/>
+              <a:t>MQ Publishers</a:t>
+            </a:r>
+            <a:endParaRPr lang="en-US" sz="1200" dirty="0"/>
+          </a:p>
+        </p:txBody>
+      </p:sp>
+      <p:sp>
+        <p:nvSpPr>
+          <p:cNvPr id="27" name="TextBox 26"/>
+          <p:cNvSpPr txBox="1"/>
+          <p:nvPr/>
+        </p:nvSpPr>
+        <p:spPr>
+          <a:xfrm>
+            <a:off x="3925186" y="3930098"/>
+            <a:ext cx="1418786" cy="276999"/>
+          </a:xfrm>
+          <a:prstGeom prst="rect">
+            <a:avLst/>
+          </a:prstGeom>
+          <a:noFill/>
+        </p:spPr>
+        <p:txBody>
+          <a:bodyPr wrap="none" rtlCol="0">
+            <a:spAutoFit/>
+          </a:bodyPr>
+          <a:lstStyle/>
+          <a:p>
+            <a:r>
+              <a:rPr lang="en-US" sz="1200" dirty="0" smtClean="0"/>
+              <a:t>MQ Service Queues</a:t>
+            </a:r>
+            <a:endParaRPr lang="en-US" sz="1200" dirty="0"/>
+          </a:p>
+        </p:txBody>
+      </p:sp>
+      <p:sp>
+        <p:nvSpPr>
+          <p:cNvPr id="28" name="TextBox 27"/>
+          <p:cNvSpPr txBox="1"/>
+          <p:nvPr/>
+        </p:nvSpPr>
+        <p:spPr>
+          <a:xfrm>
+            <a:off x="5967637" y="4199582"/>
+            <a:ext cx="1919949" cy="276999"/>
+          </a:xfrm>
+          <a:prstGeom prst="rect">
+            <a:avLst/>
+          </a:prstGeom>
+          <a:noFill/>
+        </p:spPr>
+        <p:txBody>
+          <a:bodyPr wrap="none" rtlCol="0">
+            <a:spAutoFit/>
+          </a:bodyPr>
+          <a:lstStyle/>
+          <a:p>
+            <a:r>
+              <a:rPr lang="en-US" sz="1200" dirty="0" smtClean="0"/>
+              <a:t>Alternative ReplyTo Options</a:t>
+            </a:r>
+            <a:endParaRPr lang="en-US" sz="1200" dirty="0"/>
+          </a:p>
+        </p:txBody>
+      </p:sp>
+    </p:spTree>
+    <p:extLst>
+      <p:ext uri="{BB962C8B-B14F-4D97-AF65-F5344CB8AC3E}">
+        <p14:creationId xmlns:p14="http://schemas.microsoft.com/office/powerpoint/2010/main" val="1128501720"/>
       </p:ext>
     </p:extLst>
   </p:cSld>

--- a/html/files/servicestack-architecture-tree.pptx
+++ b/html/files/servicestack-architecture-tree.pptx
@@ -290,7 +290,7 @@
           <a:p>
             <a:fld id="{641AFE02-5AE0-4F40-9A02-099F01D28CA8}" type="datetimeFigureOut">
               <a:rPr lang="en-US" smtClean="0"/>
-              <a:t>7/11/2012</a:t>
+              <a:t>8/21/2013</a:t>
             </a:fld>
             <a:endParaRPr lang="en-US"/>
           </a:p>
@@ -460,7 +460,7 @@
           <a:p>
             <a:fld id="{641AFE02-5AE0-4F40-9A02-099F01D28CA8}" type="datetimeFigureOut">
               <a:rPr lang="en-US" smtClean="0"/>
-              <a:t>7/11/2012</a:t>
+              <a:t>8/21/2013</a:t>
             </a:fld>
             <a:endParaRPr lang="en-US"/>
           </a:p>
@@ -640,7 +640,7 @@
           <a:p>
             <a:fld id="{641AFE02-5AE0-4F40-9A02-099F01D28CA8}" type="datetimeFigureOut">
               <a:rPr lang="en-US" smtClean="0"/>
-              <a:t>7/11/2012</a:t>
+              <a:t>8/21/2013</a:t>
             </a:fld>
             <a:endParaRPr lang="en-US"/>
           </a:p>
@@ -810,7 +810,7 @@
           <a:p>
             <a:fld id="{641AFE02-5AE0-4F40-9A02-099F01D28CA8}" type="datetimeFigureOut">
               <a:rPr lang="en-US" smtClean="0"/>
-              <a:t>7/11/2012</a:t>
+              <a:t>8/21/2013</a:t>
             </a:fld>
             <a:endParaRPr lang="en-US"/>
           </a:p>
@@ -1056,7 +1056,7 @@
           <a:p>
             <a:fld id="{641AFE02-5AE0-4F40-9A02-099F01D28CA8}" type="datetimeFigureOut">
               <a:rPr lang="en-US" smtClean="0"/>
-              <a:t>7/11/2012</a:t>
+              <a:t>8/21/2013</a:t>
             </a:fld>
             <a:endParaRPr lang="en-US"/>
           </a:p>
@@ -1344,7 +1344,7 @@
           <a:p>
             <a:fld id="{641AFE02-5AE0-4F40-9A02-099F01D28CA8}" type="datetimeFigureOut">
               <a:rPr lang="en-US" smtClean="0"/>
-              <a:t>7/11/2012</a:t>
+              <a:t>8/21/2013</a:t>
             </a:fld>
             <a:endParaRPr lang="en-US"/>
           </a:p>
@@ -1766,7 +1766,7 @@
           <a:p>
             <a:fld id="{641AFE02-5AE0-4F40-9A02-099F01D28CA8}" type="datetimeFigureOut">
               <a:rPr lang="en-US" smtClean="0"/>
-              <a:t>7/11/2012</a:t>
+              <a:t>8/21/2013</a:t>
             </a:fld>
             <a:endParaRPr lang="en-US"/>
           </a:p>
@@ -1884,7 +1884,7 @@
           <a:p>
             <a:fld id="{641AFE02-5AE0-4F40-9A02-099F01D28CA8}" type="datetimeFigureOut">
               <a:rPr lang="en-US" smtClean="0"/>
-              <a:t>7/11/2012</a:t>
+              <a:t>8/21/2013</a:t>
             </a:fld>
             <a:endParaRPr lang="en-US"/>
           </a:p>
@@ -1979,7 +1979,7 @@
           <a:p>
             <a:fld id="{641AFE02-5AE0-4F40-9A02-099F01D28CA8}" type="datetimeFigureOut">
               <a:rPr lang="en-US" smtClean="0"/>
-              <a:t>7/11/2012</a:t>
+              <a:t>8/21/2013</a:t>
             </a:fld>
             <a:endParaRPr lang="en-US"/>
           </a:p>
@@ -2256,7 +2256,7 @@
           <a:p>
             <a:fld id="{641AFE02-5AE0-4F40-9A02-099F01D28CA8}" type="datetimeFigureOut">
               <a:rPr lang="en-US" smtClean="0"/>
-              <a:t>7/11/2012</a:t>
+              <a:t>8/21/2013</a:t>
             </a:fld>
             <a:endParaRPr lang="en-US"/>
           </a:p>
@@ -2509,7 +2509,7 @@
           <a:p>
             <a:fld id="{641AFE02-5AE0-4F40-9A02-099F01D28CA8}" type="datetimeFigureOut">
               <a:rPr lang="en-US" smtClean="0"/>
-              <a:t>7/11/2012</a:t>
+              <a:t>8/21/2013</a:t>
             </a:fld>
             <a:endParaRPr lang="en-US"/>
           </a:p>
@@ -2722,7 +2722,7 @@
           <a:p>
             <a:fld id="{641AFE02-5AE0-4F40-9A02-099F01D28CA8}" type="datetimeFigureOut">
               <a:rPr lang="en-US" smtClean="0"/>
-              <a:t>7/11/2012</a:t>
+              <a:t>8/21/2013</a:t>
             </a:fld>
             <a:endParaRPr lang="en-US"/>
           </a:p>
@@ -3308,11 +3308,7 @@
             <a:pPr algn="ctr"/>
             <a:r>
               <a:rPr lang="en-US" dirty="0" smtClean="0"/>
-              <a:t>Request </a:t>
-            </a:r>
-            <a:r>
-              <a:rPr lang="en-US" dirty="0" smtClean="0"/>
-              <a:t>Binder</a:t>
+              <a:t>Request Binder</a:t>
             </a:r>
             <a:endParaRPr lang="en-US" dirty="0"/>
           </a:p>
@@ -4128,24 +4124,11 @@
                   </a:schemeClr>
                 </a:solidFill>
               </a:rPr>
-              <a:t>IService&lt;T&gt;</a:t>
-            </a:r>
-          </a:p>
-          <a:p>
-            <a:pPr algn="ctr"/>
-            <a:r>
-              <a:rPr lang="en-US" dirty="0" smtClean="0">
-                <a:solidFill>
-                  <a:schemeClr val="accent6">
-                    <a:lumMod val="75000"/>
-                  </a:schemeClr>
-                </a:solidFill>
-              </a:rPr>
-              <a:t>IRestService&lt;T&gt;</a:t>
-            </a:r>
-            <a:endParaRPr lang="en-US" dirty="0">
+              <a:t>// Your code…</a:t>
+            </a:r>
+            <a:endParaRPr lang="en-US" dirty="0" smtClean="0">
               <a:solidFill>
-                <a:schemeClr val="accent6">
+                <a:schemeClr val="accent3">
                   <a:lumMod val="75000"/>
                 </a:schemeClr>
               </a:solidFill>
@@ -4783,8 +4766,8 @@
         </p:nvSpPr>
         <p:spPr>
           <a:xfrm>
-            <a:off x="3810000" y="2795159"/>
-            <a:ext cx="1283172" cy="307777"/>
+            <a:off x="3571979" y="2799763"/>
+            <a:ext cx="1762021" cy="523220"/>
           </a:xfrm>
           <a:prstGeom prst="rect">
             <a:avLst/>
@@ -4799,7 +4782,49 @@
           <a:p>
             <a:r>
               <a:rPr lang="en-US" sz="1400" dirty="0" smtClean="0"/>
-              <a:t>your code here</a:t>
+              <a:t>Any(Request request)</a:t>
+            </a:r>
+          </a:p>
+          <a:p>
+            <a:r>
+              <a:rPr lang="en-US" sz="1400" dirty="0" smtClean="0"/>
+              <a:t>{</a:t>
+            </a:r>
+            <a:endParaRPr lang="en-US" sz="1400" dirty="0"/>
+          </a:p>
+        </p:txBody>
+      </p:sp>
+      <p:sp>
+        <p:nvSpPr>
+          <p:cNvPr id="47" name="TextBox 46"/>
+          <p:cNvSpPr txBox="1"/>
+          <p:nvPr/>
+        </p:nvSpPr>
+        <p:spPr>
+          <a:xfrm>
+            <a:off x="3569228" y="3733800"/>
+            <a:ext cx="1559145" cy="523220"/>
+          </a:xfrm>
+          <a:prstGeom prst="rect">
+            <a:avLst/>
+          </a:prstGeom>
+          <a:noFill/>
+        </p:spPr>
+        <p:txBody>
+          <a:bodyPr wrap="none" rtlCol="0">
+            <a:spAutoFit/>
+          </a:bodyPr>
+          <a:lstStyle/>
+          <a:p>
+            <a:r>
+              <a:rPr lang="en-US" sz="1400" dirty="0" smtClean="0"/>
+              <a:t>    return response;</a:t>
+            </a:r>
+          </a:p>
+          <a:p>
+            <a:r>
+              <a:rPr lang="en-US" sz="1400" dirty="0" smtClean="0"/>
+              <a:t>}</a:t>
             </a:r>
             <a:endParaRPr lang="en-US" sz="1400" dirty="0"/>
           </a:p>
@@ -4815,6 +4840,13 @@
   <p:clrMapOvr>
     <a:masterClrMapping/>
   </p:clrMapOvr>
+  <p:timing>
+    <p:tnLst>
+      <p:par>
+        <p:cTn id="1" dur="indefinite" restart="never" nodeType="tmRoot"/>
+      </p:par>
+    </p:tnLst>
+  </p:timing>
 </p:sld>
 </file>
 
@@ -6535,6 +6567,13 @@
   <p:clrMapOvr>
     <a:masterClrMapping/>
   </p:clrMapOvr>
+  <p:timing>
+    <p:tnLst>
+      <p:par>
+        <p:cTn id="1" dur="indefinite" restart="never" nodeType="tmRoot"/>
+      </p:par>
+    </p:tnLst>
+  </p:timing>
 </p:sld>
 </file>
 
